--- a/Daily Agendas/Day15.1_FrictionLab.pptx
+++ b/Daily Agendas/Day15.1_FrictionLab.pptx
@@ -6,6 +6,7 @@
   </p:sldMasterIdLst>
   <p:sldIdLst>
     <p:sldId id="259" r:id="rId2"/>
+    <p:sldId id="260" r:id="rId3"/>
   </p:sldIdLst>
   <p:sldSz cx="9144000" cy="6858000" type="screen4x3"/>
   <p:notesSz cx="6858000" cy="9144000"/>
@@ -3073,19 +3074,11 @@
           <a:p>
             <a:r>
               <a:rPr lang="en-CA" dirty="0" smtClean="0"/>
-              <a:t>Friction </a:t>
-            </a:r>
-            <a:r>
-              <a:rPr lang="en-CA" dirty="0" smtClean="0"/>
-              <a:t>Lab </a:t>
+              <a:t>Friction Lab </a:t>
             </a:r>
             <a:r>
               <a:rPr lang="en-US" dirty="0" smtClean="0"/>
-              <a:t>– Dec </a:t>
-            </a:r>
-            <a:r>
-              <a:rPr lang="en-US" dirty="0" smtClean="0"/>
-              <a:t>09</a:t>
+              <a:t>– Dec 09</a:t>
             </a:r>
             <a:r>
               <a:rPr lang="en-US" dirty="0"/>
@@ -3096,11 +3089,7 @@
             </a:br>
             <a:r>
               <a:rPr lang="en-US" sz="4000" dirty="0" smtClean="0"/>
-              <a:t>(Dynamics Day </a:t>
-            </a:r>
-            <a:r>
-              <a:rPr lang="en-US" sz="4000" dirty="0" smtClean="0"/>
-              <a:t>13)</a:t>
+              <a:t>(Dynamics Day 13)</a:t>
             </a:r>
             <a:endParaRPr lang="en-US" sz="4000" dirty="0"/>
           </a:p>
@@ -3134,7 +3123,6 @@
               <a:rPr lang="en-CA" dirty="0" smtClean="0"/>
               <a:t>Friction Lab</a:t>
             </a:r>
-            <a:endParaRPr lang="en-CA" dirty="0" smtClean="0"/>
           </a:p>
           <a:p>
             <a:pPr lvl="2"/>
@@ -3142,7 +3130,6 @@
               <a:rPr lang="en-CA" dirty="0" smtClean="0"/>
               <a:t>Today: Collect Data / Begin Write-Up</a:t>
             </a:r>
-            <a:endParaRPr lang="en-CA" dirty="0" smtClean="0"/>
           </a:p>
           <a:p>
             <a:pPr lvl="2"/>
@@ -3150,7 +3137,6 @@
               <a:rPr lang="en-CA" dirty="0" smtClean="0"/>
               <a:t>Tomorrow: Write-Up due (In-Class)</a:t>
             </a:r>
-            <a:endParaRPr lang="en-CA" dirty="0" smtClean="0"/>
           </a:p>
           <a:p>
             <a:pPr lvl="1"/>
@@ -3158,7 +3144,6 @@
               <a:rPr lang="en-CA" dirty="0" smtClean="0"/>
               <a:t>Past Work</a:t>
             </a:r>
-            <a:endParaRPr lang="en-CA" dirty="0" smtClean="0"/>
           </a:p>
           <a:p>
             <a:pPr lvl="2"/>
@@ -3181,7 +3166,6 @@
               <a:rPr lang="en-CA" dirty="0" smtClean="0"/>
               <a:t>Report</a:t>
             </a:r>
-            <a:endParaRPr lang="en-CA" dirty="0" smtClean="0"/>
           </a:p>
           <a:p>
             <a:pPr lvl="2"/>
@@ -3191,15 +3175,7 @@
                   <a:srgbClr val="FF0000"/>
                 </a:solidFill>
               </a:rPr>
-              <a:t>Dropbox for </a:t>
-            </a:r>
-            <a:r>
-              <a:rPr lang="en-CA" dirty="0" smtClean="0">
-                <a:solidFill>
-                  <a:srgbClr val="FF0000"/>
-                </a:solidFill>
-              </a:rPr>
-              <a:t>Mousetrap Car Video</a:t>
+              <a:t>Dropbox for Mousetrap Car Video</a:t>
             </a:r>
           </a:p>
           <a:p>
@@ -3234,7 +3210,6 @@
               <a:rPr lang="en-CA" sz="2400" i="1" dirty="0" smtClean="0"/>
               <a:t>Wednesday: Begin Energy Unit</a:t>
             </a:r>
-            <a:endParaRPr lang="en-CA" sz="2400" i="1" dirty="0" smtClean="0"/>
           </a:p>
           <a:p>
             <a:pPr lvl="1"/>
@@ -3244,31 +3219,7 @@
                   <a:srgbClr val="FF0000"/>
                 </a:solidFill>
               </a:rPr>
-              <a:t>Thursday. </a:t>
-            </a:r>
-            <a:r>
-              <a:rPr lang="en-CA" sz="2400" b="1" i="1" dirty="0" smtClean="0">
-                <a:solidFill>
-                  <a:srgbClr val="FF0000"/>
-                </a:solidFill>
-              </a:rPr>
-              <a:t>Dec </a:t>
-            </a:r>
-            <a:r>
-              <a:rPr lang="en-CA" sz="2400" b="1" i="1" dirty="0" smtClean="0">
-                <a:solidFill>
-                  <a:srgbClr val="FF0000"/>
-                </a:solidFill>
-              </a:rPr>
-              <a:t>12: Dynamics Unit </a:t>
-            </a:r>
-            <a:r>
-              <a:rPr lang="en-CA" sz="2400" b="1" i="1" dirty="0" smtClean="0">
-                <a:solidFill>
-                  <a:srgbClr val="FF0000"/>
-                </a:solidFill>
-              </a:rPr>
-              <a:t>Test</a:t>
+              <a:t>Thursday. Dec 12: Dynamics Unit Test</a:t>
             </a:r>
           </a:p>
         </p:txBody>
@@ -3290,6 +3241,105 @@
       </p:par>
     </p:tnLst>
   </p:timing>
+</p:sld>
+</file>
+
+<file path=ppt/slides/slide2.xml><?xml version="1.0" encoding="utf-8"?>
+<p:sld xmlns:a="http://schemas.openxmlformats.org/drawingml/2006/main" xmlns:r="http://schemas.openxmlformats.org/officeDocument/2006/relationships" xmlns:p="http://schemas.openxmlformats.org/presentationml/2006/main">
+  <p:cSld>
+    <p:spTree>
+      <p:nvGrpSpPr>
+        <p:cNvPr id="1" name=""/>
+        <p:cNvGrpSpPr/>
+        <p:nvPr/>
+      </p:nvGrpSpPr>
+      <p:grpSpPr>
+        <a:xfrm>
+          <a:off x="0" y="0"/>
+          <a:ext cx="0" cy="0"/>
+          <a:chOff x="0" y="0"/>
+          <a:chExt cx="0" cy="0"/>
+        </a:xfrm>
+      </p:grpSpPr>
+      <p:sp>
+        <p:nvSpPr>
+          <p:cNvPr id="2" name="Title 1"/>
+          <p:cNvSpPr>
+            <a:spLocks noGrp="1"/>
+          </p:cNvSpPr>
+          <p:nvPr>
+            <p:ph type="title"/>
+          </p:nvPr>
+        </p:nvSpPr>
+        <p:spPr/>
+        <p:txBody>
+          <a:bodyPr/>
+          <a:lstStyle/>
+          <a:p>
+            <a:r>
+              <a:rPr lang="en-CA" dirty="0" smtClean="0"/>
+              <a:t>Dropbox for Mousetrap Video</a:t>
+            </a:r>
+            <a:endParaRPr lang="en-US" dirty="0"/>
+          </a:p>
+        </p:txBody>
+      </p:sp>
+      <p:sp>
+        <p:nvSpPr>
+          <p:cNvPr id="3" name="Content Placeholder 2"/>
+          <p:cNvSpPr>
+            <a:spLocks noGrp="1"/>
+          </p:cNvSpPr>
+          <p:nvPr>
+            <p:ph idx="1"/>
+          </p:nvPr>
+        </p:nvSpPr>
+        <p:spPr/>
+        <p:txBody>
+          <a:bodyPr/>
+          <a:lstStyle/>
+          <a:p>
+            <a:r>
+              <a:rPr lang="en-CA" dirty="0" smtClean="0"/>
+              <a:t>Google Classroom</a:t>
+            </a:r>
+          </a:p>
+          <a:p>
+            <a:endParaRPr lang="en-CA" dirty="0"/>
+          </a:p>
+          <a:p>
+            <a:pPr marL="0" indent="0" algn="ctr">
+              <a:buNone/>
+            </a:pPr>
+            <a:r>
+              <a:rPr lang="en-US" sz="8000" dirty="0">
+                <a:solidFill>
+                  <a:srgbClr val="0070C0"/>
+                </a:solidFill>
+              </a:rPr>
+              <a:t>cnoj9v</a:t>
+            </a:r>
+            <a:endParaRPr lang="en-CA" sz="8000" dirty="0" smtClean="0">
+              <a:solidFill>
+                <a:srgbClr val="0070C0"/>
+              </a:solidFill>
+            </a:endParaRPr>
+          </a:p>
+          <a:p>
+            <a:endParaRPr lang="en-US" dirty="0"/>
+          </a:p>
+        </p:txBody>
+      </p:sp>
+    </p:spTree>
+    <p:extLst>
+      <p:ext uri="{BB962C8B-B14F-4D97-AF65-F5344CB8AC3E}">
+        <p14:creationId xmlns:p14="http://schemas.microsoft.com/office/powerpoint/2010/main" val="2552369689"/>
+      </p:ext>
+    </p:extLst>
+  </p:cSld>
+  <p:clrMapOvr>
+    <a:masterClrMapping/>
+  </p:clrMapOvr>
 </p:sld>
 </file>
 
